--- a/assets/images/songs.pptx
+++ b/assets/images/songs.pptx
@@ -104,6 +104,11 @@
       </a:defRPr>
     </a:lvl9pPr>
   </p:defaultTextStyle>
+  <p:extLst>
+    <p:ext uri="{EFAFB233-063F-42B5-8137-9DF3F51BA10A}">
+      <p15:sldGuideLst xmlns:p15="http://schemas.microsoft.com/office/powerpoint/2012/main"/>
+    </p:ext>
+  </p:extLst>
 </p:presentation>
 </file>
 
@@ -254,7 +259,7 @@
           <a:p>
             <a:fld id="{D6066659-E8BC-484A-B3ED-409B1FE7E1BF}" type="datetimeFigureOut">
               <a:rPr lang="en-US" smtClean="0"/>
-              <a:t>9/9/2024</a:t>
+              <a:t>1/12/2025</a:t>
             </a:fld>
             <a:endParaRPr lang="en-US"/>
           </a:p>
@@ -452,7 +457,7 @@
           <a:p>
             <a:fld id="{D6066659-E8BC-484A-B3ED-409B1FE7E1BF}" type="datetimeFigureOut">
               <a:rPr lang="en-US" smtClean="0"/>
-              <a:t>9/9/2024</a:t>
+              <a:t>1/12/2025</a:t>
             </a:fld>
             <a:endParaRPr lang="en-US"/>
           </a:p>
@@ -660,7 +665,7 @@
           <a:p>
             <a:fld id="{D6066659-E8BC-484A-B3ED-409B1FE7E1BF}" type="datetimeFigureOut">
               <a:rPr lang="en-US" smtClean="0"/>
-              <a:t>9/9/2024</a:t>
+              <a:t>1/12/2025</a:t>
             </a:fld>
             <a:endParaRPr lang="en-US"/>
           </a:p>
@@ -858,7 +863,7 @@
           <a:p>
             <a:fld id="{D6066659-E8BC-484A-B3ED-409B1FE7E1BF}" type="datetimeFigureOut">
               <a:rPr lang="en-US" smtClean="0"/>
-              <a:t>9/9/2024</a:t>
+              <a:t>1/12/2025</a:t>
             </a:fld>
             <a:endParaRPr lang="en-US"/>
           </a:p>
@@ -1133,7 +1138,7 @@
           <a:p>
             <a:fld id="{D6066659-E8BC-484A-B3ED-409B1FE7E1BF}" type="datetimeFigureOut">
               <a:rPr lang="en-US" smtClean="0"/>
-              <a:t>9/9/2024</a:t>
+              <a:t>1/12/2025</a:t>
             </a:fld>
             <a:endParaRPr lang="en-US"/>
           </a:p>
@@ -1398,7 +1403,7 @@
           <a:p>
             <a:fld id="{D6066659-E8BC-484A-B3ED-409B1FE7E1BF}" type="datetimeFigureOut">
               <a:rPr lang="en-US" smtClean="0"/>
-              <a:t>9/9/2024</a:t>
+              <a:t>1/12/2025</a:t>
             </a:fld>
             <a:endParaRPr lang="en-US"/>
           </a:p>
@@ -1810,7 +1815,7 @@
           <a:p>
             <a:fld id="{D6066659-E8BC-484A-B3ED-409B1FE7E1BF}" type="datetimeFigureOut">
               <a:rPr lang="en-US" smtClean="0"/>
-              <a:t>9/9/2024</a:t>
+              <a:t>1/12/2025</a:t>
             </a:fld>
             <a:endParaRPr lang="en-US"/>
           </a:p>
@@ -1951,7 +1956,7 @@
           <a:p>
             <a:fld id="{D6066659-E8BC-484A-B3ED-409B1FE7E1BF}" type="datetimeFigureOut">
               <a:rPr lang="en-US" smtClean="0"/>
-              <a:t>9/9/2024</a:t>
+              <a:t>1/12/2025</a:t>
             </a:fld>
             <a:endParaRPr lang="en-US"/>
           </a:p>
@@ -2064,7 +2069,7 @@
           <a:p>
             <a:fld id="{D6066659-E8BC-484A-B3ED-409B1FE7E1BF}" type="datetimeFigureOut">
               <a:rPr lang="en-US" smtClean="0"/>
-              <a:t>9/9/2024</a:t>
+              <a:t>1/12/2025</a:t>
             </a:fld>
             <a:endParaRPr lang="en-US"/>
           </a:p>
@@ -2375,7 +2380,7 @@
           <a:p>
             <a:fld id="{D6066659-E8BC-484A-B3ED-409B1FE7E1BF}" type="datetimeFigureOut">
               <a:rPr lang="en-US" smtClean="0"/>
-              <a:t>9/9/2024</a:t>
+              <a:t>1/12/2025</a:t>
             </a:fld>
             <a:endParaRPr lang="en-US"/>
           </a:p>
@@ -2663,7 +2668,7 @@
           <a:p>
             <a:fld id="{D6066659-E8BC-484A-B3ED-409B1FE7E1BF}" type="datetimeFigureOut">
               <a:rPr lang="en-US" smtClean="0"/>
-              <a:t>9/9/2024</a:t>
+              <a:t>1/12/2025</a:t>
             </a:fld>
             <a:endParaRPr lang="en-US"/>
           </a:p>
@@ -2904,7 +2909,7 @@
           <a:p>
             <a:fld id="{D6066659-E8BC-484A-B3ED-409B1FE7E1BF}" type="datetimeFigureOut">
               <a:rPr lang="en-US" smtClean="0"/>
-              <a:t>9/9/2024</a:t>
+              <a:t>1/12/2025</a:t>
             </a:fld>
             <a:endParaRPr lang="en-US"/>
           </a:p>
@@ -3329,12 +3334,72 @@
           <a:chExt cx="0" cy="0"/>
         </a:xfrm>
       </p:grpSpPr>
+      <p:sp useBgFill="1">
+        <p:nvSpPr>
+          <p:cNvPr id="1043" name="Rectangle 1042">
+            <a:extLst>
+              <a:ext uri="{FF2B5EF4-FFF2-40B4-BE49-F238E27FC236}">
+                <a16:creationId xmlns:a16="http://schemas.microsoft.com/office/drawing/2014/main" id="{C7336F7B-7038-4227-BCAC-E417CC3F669D}"/>
+              </a:ext>
+              <a:ext uri="{C183D7F6-B498-43B3-948B-1728B52AA6E4}">
+                <adec:decorative xmlns:adec="http://schemas.microsoft.com/office/drawing/2017/decorative" val="1"/>
+              </a:ext>
+            </a:extLst>
+          </p:cNvPr>
+          <p:cNvSpPr>
+            <a:spLocks noGrp="1" noRot="1" noChangeAspect="1" noMove="1" noResize="1" noEditPoints="1" noAdjustHandles="1" noChangeArrowheads="1" noChangeShapeType="1" noTextEdit="1"/>
+          </p:cNvSpPr>
+          <p:nvPr>
+            <p:extLst>
+              <p:ext uri="{386F3935-93C4-4BCD-93E2-E3B085C9AB24}">
+                <p16:designElem xmlns:p16="http://schemas.microsoft.com/office/powerpoint/2015/main" val="1"/>
+              </p:ext>
+            </p:extLst>
+          </p:nvPr>
+        </p:nvSpPr>
+        <p:spPr>
+          <a:xfrm>
+            <a:off x="0" y="-1"/>
+            <a:ext cx="12188952" cy="6858000"/>
+          </a:xfrm>
+          <a:prstGeom prst="rect">
+            <a:avLst/>
+          </a:prstGeom>
+          <a:ln>
+            <a:noFill/>
+          </a:ln>
+        </p:spPr>
+        <p:style>
+          <a:lnRef idx="2">
+            <a:schemeClr val="accent1">
+              <a:shade val="50000"/>
+            </a:schemeClr>
+          </a:lnRef>
+          <a:fillRef idx="1">
+            <a:schemeClr val="accent1"/>
+          </a:fillRef>
+          <a:effectRef idx="0">
+            <a:schemeClr val="accent1"/>
+          </a:effectRef>
+          <a:fontRef idx="minor">
+            <a:schemeClr val="lt1"/>
+          </a:fontRef>
+        </p:style>
+        <p:txBody>
+          <a:bodyPr rtlCol="0" anchor="ctr"/>
+          <a:lstStyle/>
+          <a:p>
+            <a:pPr algn="ctr"/>
+            <a:endParaRPr lang="en-US"/>
+          </a:p>
+        </p:txBody>
+      </p:sp>
       <p:pic>
         <p:nvPicPr>
-          <p:cNvPr id="1034" name="Picture 10" descr="Taylor Swift - Shake It Off">
-            <a:extLst>
-              <a:ext uri="{FF2B5EF4-FFF2-40B4-BE49-F238E27FC236}">
-                <a16:creationId xmlns:a16="http://schemas.microsoft.com/office/drawing/2014/main" id="{EFDCF32A-C68F-7491-FC9B-0B0E1D8EA5B3}"/>
+          <p:cNvPr id="1038" name="Picture 14" descr="Stream Doja Cat - Kiss Me More (Magical Version) ft. SZA [mashup] by  ThunderYellow | Listen online for free on SoundCloud">
+            <a:extLst>
+              <a:ext uri="{FF2B5EF4-FFF2-40B4-BE49-F238E27FC236}">
+                <a16:creationId xmlns:a16="http://schemas.microsoft.com/office/drawing/2014/main" id="{D6BFC0CC-661C-0F1C-C81C-6A4E0193282D}"/>
               </a:ext>
             </a:extLst>
           </p:cNvPr>
@@ -3351,44 +3416,17 @@
               </a:ext>
             </a:extLst>
           </a:blip>
-          <a:srcRect l="1237" r="12442" b="-2"/>
+          <a:srcRect r="-5" b="16289"/>
           <a:stretch/>
         </p:blipFill>
         <p:spPr bwMode="auto">
           <a:xfrm>
-            <a:off x="6176433" y="10"/>
-            <a:ext cx="6015567" cy="3920034"/>
+            <a:off x="196731" y="175147"/>
+            <a:ext cx="3792174" cy="3174339"/>
           </a:xfrm>
-          <a:custGeom>
+          <a:prstGeom prst="rect">
             <a:avLst/>
-            <a:gdLst/>
-            <a:ahLst/>
-            <a:cxnLst/>
-            <a:rect l="l" t="t" r="r" b="b"/>
-            <a:pathLst>
-              <a:path w="6015567" h="3920044">
-                <a:moveTo>
-                  <a:pt x="0" y="0"/>
-                </a:moveTo>
-                <a:lnTo>
-                  <a:pt x="6015567" y="0"/>
-                </a:lnTo>
-                <a:lnTo>
-                  <a:pt x="6015567" y="3920044"/>
-                </a:lnTo>
-                <a:lnTo>
-                  <a:pt x="2469659" y="3920044"/>
-                </a:lnTo>
-                <a:lnTo>
-                  <a:pt x="2469659" y="3103224"/>
-                </a:lnTo>
-                <a:lnTo>
-                  <a:pt x="0" y="3103224"/>
-                </a:lnTo>
-                <a:close/>
-              </a:path>
-            </a:pathLst>
-          </a:custGeom>
+          </a:prstGeom>
           <a:noFill/>
           <a:extLst>
             <a:ext uri="{909E8E84-426E-40DD-AFC4-6F175D3DCCD1}">
@@ -3403,10 +3441,10 @@
       </p:pic>
       <p:pic>
         <p:nvPicPr>
-          <p:cNvPr id="1038" name="Picture 14" descr="Stream Doja Cat - Kiss Me More (Magical Version) ft. SZA [mashup] by  ThunderYellow | Listen online for free on SoundCloud">
-            <a:extLst>
-              <a:ext uri="{FF2B5EF4-FFF2-40B4-BE49-F238E27FC236}">
-                <a16:creationId xmlns:a16="http://schemas.microsoft.com/office/drawing/2014/main" id="{D6BFC0CC-661C-0F1C-C81C-6A4E0193282D}"/>
+          <p:cNvPr id="1032" name="Picture 8" descr="Britney Spears - ...Baby One More Time (Official Video)">
+            <a:extLst>
+              <a:ext uri="{FF2B5EF4-FFF2-40B4-BE49-F238E27FC236}">
+                <a16:creationId xmlns:a16="http://schemas.microsoft.com/office/drawing/2014/main" id="{A7FD2A2B-E2FD-6336-9C95-DA709301D392}"/>
               </a:ext>
             </a:extLst>
           </p:cNvPr>
@@ -3423,13 +3461,58 @@
               </a:ext>
             </a:extLst>
           </a:blip>
-          <a:srcRect r="-3" b="21135"/>
+          <a:srcRect l="21026" r="11775" b="-1"/>
           <a:stretch/>
         </p:blipFill>
         <p:spPr bwMode="auto">
           <a:xfrm>
-            <a:off x="20" y="4069976"/>
-            <a:ext cx="3535311" cy="2788023"/>
+            <a:off x="4209091" y="175147"/>
+            <a:ext cx="3792174" cy="3174339"/>
+          </a:xfrm>
+          <a:prstGeom prst="rect">
+            <a:avLst/>
+          </a:prstGeom>
+          <a:noFill/>
+          <a:extLst>
+            <a:ext uri="{909E8E84-426E-40DD-AFC4-6F175D3DCCD1}">
+              <a14:hiddenFill xmlns:a14="http://schemas.microsoft.com/office/drawing/2010/main">
+                <a:solidFill>
+                  <a:srgbClr val="FFFFFF"/>
+                </a:solidFill>
+              </a14:hiddenFill>
+            </a:ext>
+          </a:extLst>
+        </p:spPr>
+      </p:pic>
+      <p:pic>
+        <p:nvPicPr>
+          <p:cNvPr id="2" name="Picture 2" descr="Heal the World - Wikipedia">
+            <a:extLst>
+              <a:ext uri="{FF2B5EF4-FFF2-40B4-BE49-F238E27FC236}">
+                <a16:creationId xmlns:a16="http://schemas.microsoft.com/office/drawing/2014/main" id="{6AEEA37B-ADD9-74EE-1514-424E9B4C17A6}"/>
+              </a:ext>
+            </a:extLst>
+          </p:cNvPr>
+          <p:cNvPicPr>
+            <a:picLocks noChangeAspect="1" noChangeArrowheads="1"/>
+          </p:cNvPicPr>
+          <p:nvPr/>
+        </p:nvPicPr>
+        <p:blipFill>
+          <a:blip r:embed="rId4">
+            <a:extLst>
+              <a:ext uri="{28A0092B-C50C-407E-A947-70E740481C1C}">
+                <a14:useLocalDpi xmlns:a14="http://schemas.microsoft.com/office/drawing/2010/main" val="0"/>
+              </a:ext>
+            </a:extLst>
+          </a:blip>
+          <a:srcRect t="14753" r="3" b="1543"/>
+          <a:stretch/>
+        </p:blipFill>
+        <p:spPr bwMode="auto">
+          <a:xfrm>
+            <a:off x="8194217" y="175147"/>
+            <a:ext cx="3792174" cy="3174339"/>
           </a:xfrm>
           <a:prstGeom prst="rect">
             <a:avLst/>
@@ -3461,20 +3544,65 @@
           <p:nvPr/>
         </p:nvPicPr>
         <p:blipFill>
-          <a:blip r:embed="rId4">
+          <a:blip r:embed="rId5">
             <a:extLst>
               <a:ext uri="{28A0092B-C50C-407E-A947-70E740481C1C}">
                 <a14:useLocalDpi xmlns:a14="http://schemas.microsoft.com/office/drawing/2010/main" val="0"/>
               </a:ext>
             </a:extLst>
           </a:blip>
-          <a:srcRect t="2875" r="2" b="21939"/>
+          <a:srcRect r="-5" b="16365"/>
           <a:stretch/>
         </p:blipFill>
         <p:spPr bwMode="auto">
           <a:xfrm>
-            <a:off x="3696199" y="3257176"/>
-            <a:ext cx="4789093" cy="3600824"/>
+            <a:off x="191088" y="3508511"/>
+            <a:ext cx="3792174" cy="3171426"/>
+          </a:xfrm>
+          <a:prstGeom prst="rect">
+            <a:avLst/>
+          </a:prstGeom>
+          <a:noFill/>
+          <a:extLst>
+            <a:ext uri="{909E8E84-426E-40DD-AFC4-6F175D3DCCD1}">
+              <a14:hiddenFill xmlns:a14="http://schemas.microsoft.com/office/drawing/2010/main">
+                <a:solidFill>
+                  <a:srgbClr val="FFFFFF"/>
+                </a:solidFill>
+              </a14:hiddenFill>
+            </a:ext>
+          </a:extLst>
+        </p:spPr>
+      </p:pic>
+      <p:pic>
+        <p:nvPicPr>
+          <p:cNvPr id="1034" name="Picture 10" descr="Taylor Swift - Shake It Off">
+            <a:extLst>
+              <a:ext uri="{FF2B5EF4-FFF2-40B4-BE49-F238E27FC236}">
+                <a16:creationId xmlns:a16="http://schemas.microsoft.com/office/drawing/2014/main" id="{EFDCF32A-C68F-7491-FC9B-0B0E1D8EA5B3}"/>
+              </a:ext>
+            </a:extLst>
+          </p:cNvPr>
+          <p:cNvPicPr>
+            <a:picLocks noChangeAspect="1" noChangeArrowheads="1"/>
+          </p:cNvPicPr>
+          <p:nvPr/>
+        </p:nvPicPr>
+        <p:blipFill>
+          <a:blip r:embed="rId6">
+            <a:extLst>
+              <a:ext uri="{28A0092B-C50C-407E-A947-70E740481C1C}">
+                <a14:useLocalDpi xmlns:a14="http://schemas.microsoft.com/office/drawing/2010/main" val="0"/>
+              </a:ext>
+            </a:extLst>
+          </a:blip>
+          <a:srcRect l="10767" r="21972" b="-2"/>
+          <a:stretch/>
+        </p:blipFill>
+        <p:spPr bwMode="auto">
+          <a:xfrm>
+            <a:off x="4203448" y="3508511"/>
+            <a:ext cx="3792174" cy="3171426"/>
           </a:xfrm>
           <a:prstGeom prst="rect">
             <a:avLst/>
@@ -3506,92 +3634,20 @@
           <p:nvPr/>
         </p:nvPicPr>
         <p:blipFill>
-          <a:blip r:embed="rId5">
+          <a:blip r:embed="rId7">
             <a:extLst>
               <a:ext uri="{28A0092B-C50C-407E-A947-70E740481C1C}">
                 <a14:useLocalDpi xmlns:a14="http://schemas.microsoft.com/office/drawing/2010/main" val="0"/>
               </a:ext>
             </a:extLst>
           </a:blip>
-          <a:srcRect t="3108" r="1" b="31728"/>
+          <a:srcRect r="-5" b="16365"/>
           <a:stretch/>
         </p:blipFill>
         <p:spPr bwMode="auto">
           <a:xfrm>
-            <a:off x="1" y="10"/>
-            <a:ext cx="6015567" cy="3920034"/>
-          </a:xfrm>
-          <a:custGeom>
-            <a:avLst/>
-            <a:gdLst/>
-            <a:ahLst/>
-            <a:cxnLst/>
-            <a:rect l="l" t="t" r="r" b="b"/>
-            <a:pathLst>
-              <a:path w="6015567" h="3920044">
-                <a:moveTo>
-                  <a:pt x="0" y="0"/>
-                </a:moveTo>
-                <a:lnTo>
-                  <a:pt x="6015567" y="0"/>
-                </a:lnTo>
-                <a:lnTo>
-                  <a:pt x="6015567" y="3103224"/>
-                </a:lnTo>
-                <a:lnTo>
-                  <a:pt x="3545908" y="3103224"/>
-                </a:lnTo>
-                <a:lnTo>
-                  <a:pt x="3545908" y="3920044"/>
-                </a:lnTo>
-                <a:lnTo>
-                  <a:pt x="0" y="3920044"/>
-                </a:lnTo>
-                <a:close/>
-              </a:path>
-            </a:pathLst>
-          </a:custGeom>
-          <a:noFill/>
-          <a:extLst>
-            <a:ext uri="{909E8E84-426E-40DD-AFC4-6F175D3DCCD1}">
-              <a14:hiddenFill xmlns:a14="http://schemas.microsoft.com/office/drawing/2010/main">
-                <a:solidFill>
-                  <a:srgbClr val="FFFFFF"/>
-                </a:solidFill>
-              </a14:hiddenFill>
-            </a:ext>
-          </a:extLst>
-        </p:spPr>
-      </p:pic>
-      <p:pic>
-        <p:nvPicPr>
-          <p:cNvPr id="1032" name="Picture 8" descr="Britney Spears - ...Baby One More Time (Official Video)">
-            <a:extLst>
-              <a:ext uri="{FF2B5EF4-FFF2-40B4-BE49-F238E27FC236}">
-                <a16:creationId xmlns:a16="http://schemas.microsoft.com/office/drawing/2014/main" id="{A7FD2A2B-E2FD-6336-9C95-DA709301D392}"/>
-              </a:ext>
-            </a:extLst>
-          </p:cNvPr>
-          <p:cNvPicPr>
-            <a:picLocks noChangeAspect="1" noChangeArrowheads="1"/>
-          </p:cNvPicPr>
-          <p:nvPr/>
-        </p:nvPicPr>
-        <p:blipFill>
-          <a:blip r:embed="rId6">
-            <a:extLst>
-              <a:ext uri="{28A0092B-C50C-407E-A947-70E740481C1C}">
-                <a14:useLocalDpi xmlns:a14="http://schemas.microsoft.com/office/drawing/2010/main" val="0"/>
-              </a:ext>
-            </a:extLst>
-          </a:blip>
-          <a:srcRect l="19731" r="8729" b="-2"/>
-          <a:stretch/>
-        </p:blipFill>
-        <p:spPr bwMode="auto">
-          <a:xfrm>
-            <a:off x="8646161" y="4069976"/>
-            <a:ext cx="3545840" cy="2788024"/>
+            <a:off x="8188574" y="3508511"/>
+            <a:ext cx="3792174" cy="3171426"/>
           </a:xfrm>
           <a:prstGeom prst="rect">
             <a:avLst/>
